--- a/VideosSeveralAccelerationFactors.pptx
+++ b/VideosSeveralAccelerationFactors.pptx
@@ -5,11 +5,14 @@
     <p:sldMasterId id="2147483648" r:id="rId1"/>
   </p:sldMasterIdLst>
   <p:notesMasterIdLst>
-    <p:notesMasterId r:id="rId4"/>
+    <p:notesMasterId r:id="rId7"/>
   </p:notesMasterIdLst>
   <p:sldIdLst>
-    <p:sldId id="261" r:id="rId2"/>
-    <p:sldId id="263" r:id="rId3"/>
+    <p:sldId id="264" r:id="rId2"/>
+    <p:sldId id="266" r:id="rId3"/>
+    <p:sldId id="265" r:id="rId4"/>
+    <p:sldId id="261" r:id="rId5"/>
+    <p:sldId id="263" r:id="rId6"/>
   </p:sldIdLst>
   <p:sldSz cx="9144000" cy="6858000" type="screen4x3"/>
   <p:notesSz cx="6858000" cy="9144000"/>
@@ -193,7 +196,7 @@
           <a:p>
             <a:fld id="{E5B6C53B-681E-4604-9907-180AC3B12651}" type="datetimeFigureOut">
               <a:rPr lang="es-ES" smtClean="0"/>
-              <a:t>31/03/2016</a:t>
+              <a:t>11/04/2016</a:t>
             </a:fld>
             <a:endParaRPr lang="es-ES"/>
           </a:p>
@@ -526,7 +529,7 @@
           <a:p>
             <a:fld id="{707E5E53-0F37-4B84-88A4-38853BE48201}" type="slidenum">
               <a:rPr lang="es-ES" smtClean="0"/>
-              <a:t>2</a:t>
+              <a:t>5</a:t>
             </a:fld>
             <a:endParaRPr lang="es-ES"/>
           </a:p>
@@ -726,7 +729,7 @@
           <a:p>
             <a:fld id="{7A847CFC-816F-41D0-AAC0-9BF4FEBC753E}" type="datetimeFigureOut">
               <a:rPr lang="es-ES" smtClean="0"/>
-              <a:t>29/03/2016</a:t>
+              <a:t>11/04/2016</a:t>
             </a:fld>
             <a:endParaRPr lang="es-ES"/>
           </a:p>
@@ -891,7 +894,7 @@
           <a:p>
             <a:fld id="{7A847CFC-816F-41D0-AAC0-9BF4FEBC753E}" type="datetimeFigureOut">
               <a:rPr lang="es-ES" smtClean="0"/>
-              <a:t>29/03/2016</a:t>
+              <a:t>11/04/2016</a:t>
             </a:fld>
             <a:endParaRPr lang="es-ES"/>
           </a:p>
@@ -1066,7 +1069,7 @@
           <a:p>
             <a:fld id="{7A847CFC-816F-41D0-AAC0-9BF4FEBC753E}" type="datetimeFigureOut">
               <a:rPr lang="es-ES" smtClean="0"/>
-              <a:t>29/03/2016</a:t>
+              <a:t>11/04/2016</a:t>
             </a:fld>
             <a:endParaRPr lang="es-ES"/>
           </a:p>
@@ -1231,7 +1234,7 @@
           <a:p>
             <a:fld id="{7A847CFC-816F-41D0-AAC0-9BF4FEBC753E}" type="datetimeFigureOut">
               <a:rPr lang="es-ES" smtClean="0"/>
-              <a:t>29/03/2016</a:t>
+              <a:t>11/04/2016</a:t>
             </a:fld>
             <a:endParaRPr lang="es-ES"/>
           </a:p>
@@ -1472,7 +1475,7 @@
           <a:p>
             <a:fld id="{7A847CFC-816F-41D0-AAC0-9BF4FEBC753E}" type="datetimeFigureOut">
               <a:rPr lang="es-ES" smtClean="0"/>
-              <a:t>29/03/2016</a:t>
+              <a:t>11/04/2016</a:t>
             </a:fld>
             <a:endParaRPr lang="es-ES"/>
           </a:p>
@@ -1755,7 +1758,7 @@
           <a:p>
             <a:fld id="{7A847CFC-816F-41D0-AAC0-9BF4FEBC753E}" type="datetimeFigureOut">
               <a:rPr lang="es-ES" smtClean="0"/>
-              <a:t>29/03/2016</a:t>
+              <a:t>11/04/2016</a:t>
             </a:fld>
             <a:endParaRPr lang="es-ES"/>
           </a:p>
@@ -2172,7 +2175,7 @@
           <a:p>
             <a:fld id="{7A847CFC-816F-41D0-AAC0-9BF4FEBC753E}" type="datetimeFigureOut">
               <a:rPr lang="es-ES" smtClean="0"/>
-              <a:t>29/03/2016</a:t>
+              <a:t>11/04/2016</a:t>
             </a:fld>
             <a:endParaRPr lang="es-ES"/>
           </a:p>
@@ -2285,7 +2288,7 @@
           <a:p>
             <a:fld id="{7A847CFC-816F-41D0-AAC0-9BF4FEBC753E}" type="datetimeFigureOut">
               <a:rPr lang="es-ES" smtClean="0"/>
-              <a:t>29/03/2016</a:t>
+              <a:t>11/04/2016</a:t>
             </a:fld>
             <a:endParaRPr lang="es-ES"/>
           </a:p>
@@ -2375,7 +2378,7 @@
           <a:p>
             <a:fld id="{7A847CFC-816F-41D0-AAC0-9BF4FEBC753E}" type="datetimeFigureOut">
               <a:rPr lang="es-ES" smtClean="0"/>
-              <a:t>29/03/2016</a:t>
+              <a:t>11/04/2016</a:t>
             </a:fld>
             <a:endParaRPr lang="es-ES"/>
           </a:p>
@@ -2647,7 +2650,7 @@
           <a:p>
             <a:fld id="{7A847CFC-816F-41D0-AAC0-9BF4FEBC753E}" type="datetimeFigureOut">
               <a:rPr lang="es-ES" smtClean="0"/>
-              <a:t>29/03/2016</a:t>
+              <a:t>11/04/2016</a:t>
             </a:fld>
             <a:endParaRPr lang="es-ES"/>
           </a:p>
@@ -2895,7 +2898,7 @@
           <a:p>
             <a:fld id="{7A847CFC-816F-41D0-AAC0-9BF4FEBC753E}" type="datetimeFigureOut">
               <a:rPr lang="es-ES" smtClean="0"/>
-              <a:t>29/03/2016</a:t>
+              <a:t>11/04/2016</a:t>
             </a:fld>
             <a:endParaRPr lang="es-ES"/>
           </a:p>
@@ -3103,7 +3106,7 @@
           <a:p>
             <a:fld id="{7A847CFC-816F-41D0-AAC0-9BF4FEBC753E}" type="datetimeFigureOut">
               <a:rPr lang="es-ES" smtClean="0"/>
-              <a:t>29/03/2016</a:t>
+              <a:t>11/04/2016</a:t>
             </a:fld>
             <a:endParaRPr lang="es-ES"/>
           </a:p>
@@ -3475,50 +3478,265 @@
       </p:grpSpPr>
       <p:sp>
         <p:nvSpPr>
-          <p:cNvPr id="3" name="2 Marcador de contenido"/>
-          <p:cNvSpPr>
-            <a:spLocks noGrp="1"/>
-          </p:cNvSpPr>
-          <p:nvPr>
-            <p:ph idx="1"/>
+          <p:cNvPr id="7171" name="Rectangle 5"/>
+          <p:cNvSpPr>
+            <a:spLocks noGrp="1" noChangeArrowheads="1"/>
+          </p:cNvSpPr>
+          <p:nvPr>
+            <p:ph type="ctrTitle"/>
           </p:nvPr>
         </p:nvSpPr>
         <p:spPr>
           <a:xfrm>
-            <a:off x="395536" y="404664"/>
-            <a:ext cx="8229600" cy="4525963"/>
+            <a:off x="422245" y="1052736"/>
+            <a:ext cx="8153043" cy="1371600"/>
           </a:xfrm>
         </p:spPr>
         <p:txBody>
           <a:bodyPr>
-            <a:normAutofit/>
+            <a:normAutofit fontScale="90000"/>
           </a:bodyPr>
           <a:lstStyle/>
           <a:p>
             <a:r>
-              <a:rPr lang="en-US" sz="2400" dirty="0"/>
-              <a:t>Videos of one slice for </a:t>
-            </a:r>
-            <a:r>
-              <a:rPr lang="en-US" sz="2400" dirty="0" smtClean="0"/>
-              <a:t>acceleration </a:t>
-            </a:r>
-            <a:r>
-              <a:rPr lang="en-US" sz="2400" dirty="0"/>
-              <a:t>factors x1, x2, x5, x7 for </a:t>
-            </a:r>
-            <a:r>
-              <a:rPr lang="en-US" sz="2400" dirty="0" smtClean="0"/>
-              <a:t>ZF, TV and SIDER methods</a:t>
-            </a:r>
-            <a:endParaRPr lang="es-ES" sz="2400" dirty="0"/>
+              <a:rPr lang="en-US" sz="3200" dirty="0"/>
+              <a:t>Incorporation of prior knowledge of the signal behavior into the reconstruction to accelerate the acquisition of MR diffusion </a:t>
+            </a:r>
+            <a:r>
+              <a:rPr lang="en-US" sz="3200" dirty="0" smtClean="0"/>
+              <a:t>data: </a:t>
+            </a:r>
+            <a:br>
+              <a:rPr lang="en-US" sz="3200" dirty="0" smtClean="0"/>
+            </a:br>
+            <a:r>
+              <a:rPr lang="en-US" sz="3200" dirty="0" smtClean="0"/>
+              <a:t>Videos</a:t>
+            </a:r>
+            <a:endParaRPr lang="es-ES" sz="3200" dirty="0"/>
+          </a:p>
+        </p:txBody>
+      </p:sp>
+      <p:sp>
+        <p:nvSpPr>
+          <p:cNvPr id="5" name="Text Box 17"/>
+          <p:cNvSpPr txBox="1">
+            <a:spLocks noChangeArrowheads="1"/>
+          </p:cNvSpPr>
+          <p:nvPr/>
+        </p:nvSpPr>
+        <p:spPr bwMode="auto">
+          <a:xfrm>
+            <a:off x="438148" y="3284984"/>
+            <a:ext cx="8248651" cy="1323439"/>
+          </a:xfrm>
+          <a:prstGeom prst="rect">
+            <a:avLst/>
+          </a:prstGeom>
+          <a:noFill/>
+          <a:ln>
+            <a:noFill/>
+          </a:ln>
+          <a:effectLst/>
+          <a:extLst>
+            <a:ext uri="{909E8E84-426E-40DD-AFC4-6F175D3DCCD1}">
+              <a14:hiddenFill xmlns:a14="http://schemas.microsoft.com/office/drawing/2010/main">
+                <a:solidFill>
+                  <a:schemeClr val="accent1"/>
+                </a:solidFill>
+              </a14:hiddenFill>
+            </a:ext>
+            <a:ext uri="{91240B29-F687-4F45-9708-019B960494DF}">
+              <a14:hiddenLine xmlns:a14="http://schemas.microsoft.com/office/drawing/2010/main" w="9525">
+                <a:solidFill>
+                  <a:schemeClr val="tx1"/>
+                </a:solidFill>
+                <a:miter lim="800000"/>
+                <a:headEnd/>
+                <a:tailEnd/>
+              </a14:hiddenLine>
+            </a:ext>
+            <a:ext uri="{AF507438-7753-43E0-B8FC-AC1667EBCBE1}">
+              <a14:hiddenEffects xmlns:a14="http://schemas.microsoft.com/office/drawing/2010/main">
+                <a:effectLst>
+                  <a:outerShdw dist="35921" dir="2700000" algn="ctr" rotWithShape="0">
+                    <a:schemeClr val="bg2"/>
+                  </a:outerShdw>
+                </a:effectLst>
+              </a14:hiddenEffects>
+            </a:ext>
+          </a:extLst>
+        </p:spPr>
+        <p:txBody>
+          <a:bodyPr wrap="square">
+            <a:spAutoFit/>
+          </a:bodyPr>
+          <a:lstStyle>
+            <a:lvl1pPr eaLnBrk="0" hangingPunct="0">
+              <a:defRPr u="sng">
+                <a:solidFill>
+                  <a:schemeClr val="tx1"/>
+                </a:solidFill>
+                <a:latin typeface="Verdana" pitchFamily="34" charset="0"/>
+              </a:defRPr>
+            </a:lvl1pPr>
+            <a:lvl2pPr marL="742950" indent="-285750" eaLnBrk="0" hangingPunct="0">
+              <a:defRPr u="sng">
+                <a:solidFill>
+                  <a:schemeClr val="tx1"/>
+                </a:solidFill>
+                <a:latin typeface="Verdana" pitchFamily="34" charset="0"/>
+              </a:defRPr>
+            </a:lvl2pPr>
+            <a:lvl3pPr marL="1143000" indent="-228600" eaLnBrk="0" hangingPunct="0">
+              <a:defRPr u="sng">
+                <a:solidFill>
+                  <a:schemeClr val="tx1"/>
+                </a:solidFill>
+                <a:latin typeface="Verdana" pitchFamily="34" charset="0"/>
+              </a:defRPr>
+            </a:lvl3pPr>
+            <a:lvl4pPr marL="1600200" indent="-228600" eaLnBrk="0" hangingPunct="0">
+              <a:defRPr u="sng">
+                <a:solidFill>
+                  <a:schemeClr val="tx1"/>
+                </a:solidFill>
+                <a:latin typeface="Verdana" pitchFamily="34" charset="0"/>
+              </a:defRPr>
+            </a:lvl4pPr>
+            <a:lvl5pPr marL="2057400" indent="-228600" eaLnBrk="0" hangingPunct="0">
+              <a:defRPr u="sng">
+                <a:solidFill>
+                  <a:schemeClr val="tx1"/>
+                </a:solidFill>
+                <a:latin typeface="Verdana" pitchFamily="34" charset="0"/>
+              </a:defRPr>
+            </a:lvl5pPr>
+            <a:lvl6pPr marL="2514600" indent="-228600" eaLnBrk="0" fontAlgn="base" hangingPunct="0">
+              <a:spcBef>
+                <a:spcPct val="0"/>
+              </a:spcBef>
+              <a:spcAft>
+                <a:spcPct val="0"/>
+              </a:spcAft>
+              <a:defRPr u="sng">
+                <a:solidFill>
+                  <a:schemeClr val="tx1"/>
+                </a:solidFill>
+                <a:latin typeface="Verdana" pitchFamily="34" charset="0"/>
+              </a:defRPr>
+            </a:lvl6pPr>
+            <a:lvl7pPr marL="2971800" indent="-228600" eaLnBrk="0" fontAlgn="base" hangingPunct="0">
+              <a:spcBef>
+                <a:spcPct val="0"/>
+              </a:spcBef>
+              <a:spcAft>
+                <a:spcPct val="0"/>
+              </a:spcAft>
+              <a:defRPr u="sng">
+                <a:solidFill>
+                  <a:schemeClr val="tx1"/>
+                </a:solidFill>
+                <a:latin typeface="Verdana" pitchFamily="34" charset="0"/>
+              </a:defRPr>
+            </a:lvl7pPr>
+            <a:lvl8pPr marL="3429000" indent="-228600" eaLnBrk="0" fontAlgn="base" hangingPunct="0">
+              <a:spcBef>
+                <a:spcPct val="0"/>
+              </a:spcBef>
+              <a:spcAft>
+                <a:spcPct val="0"/>
+              </a:spcAft>
+              <a:defRPr u="sng">
+                <a:solidFill>
+                  <a:schemeClr val="tx1"/>
+                </a:solidFill>
+                <a:latin typeface="Verdana" pitchFamily="34" charset="0"/>
+              </a:defRPr>
+            </a:lvl8pPr>
+            <a:lvl9pPr marL="3886200" indent="-228600" eaLnBrk="0" fontAlgn="base" hangingPunct="0">
+              <a:spcBef>
+                <a:spcPct val="0"/>
+              </a:spcBef>
+              <a:spcAft>
+                <a:spcPct val="0"/>
+              </a:spcAft>
+              <a:defRPr u="sng">
+                <a:solidFill>
+                  <a:schemeClr val="tx1"/>
+                </a:solidFill>
+                <a:latin typeface="Verdana" pitchFamily="34" charset="0"/>
+              </a:defRPr>
+            </a:lvl9pPr>
+          </a:lstStyle>
+          <a:p>
+            <a:pPr eaLnBrk="1" hangingPunct="1"/>
+            <a:r>
+              <a:rPr lang="es-ES" sz="2000" u="none" dirty="0" smtClean="0"/>
+              <a:t>J F P J Abascal, </a:t>
+            </a:r>
+            <a:r>
+              <a:rPr lang="es-ES" sz="2000" u="none" dirty="0"/>
+              <a:t>M </a:t>
+            </a:r>
+            <a:r>
+              <a:rPr lang="es-ES" sz="2000" u="none" dirty="0" err="1" smtClean="0"/>
+              <a:t>Desco</a:t>
+            </a:r>
+            <a:r>
+              <a:rPr lang="es-ES" sz="2000" u="none" smtClean="0"/>
+              <a:t>, </a:t>
+            </a:r>
+            <a:r>
+              <a:rPr lang="es-ES" sz="2000" u="none"/>
+              <a:t>J </a:t>
+            </a:r>
+            <a:r>
+              <a:rPr lang="es-ES" sz="2000" u="none" smtClean="0"/>
+              <a:t>M </a:t>
+            </a:r>
+            <a:r>
+              <a:rPr lang="es-ES" sz="2000" u="none" smtClean="0"/>
+              <a:t>Parra-Robles</a:t>
+            </a:r>
+            <a:endParaRPr lang="es-ES" sz="2000" u="none" dirty="0" smtClean="0"/>
+          </a:p>
+          <a:p>
+            <a:pPr eaLnBrk="1" hangingPunct="1"/>
+            <a:endParaRPr lang="es-ES" sz="1200" u="none" baseline="30000" dirty="0"/>
+          </a:p>
+          <a:p>
+            <a:pPr eaLnBrk="1" hangingPunct="1"/>
+            <a:r>
+              <a:rPr lang="es-ES" sz="1400" u="none" dirty="0" smtClean="0"/>
+              <a:t>Departamento </a:t>
+            </a:r>
+            <a:r>
+              <a:rPr lang="es-ES" sz="1400" u="none" dirty="0"/>
+              <a:t>de Bioingeniería e Ingeniería Aeroespacial, Universidad Carlos III de Madrid, Spain</a:t>
+            </a:r>
+          </a:p>
+          <a:p>
+            <a:pPr eaLnBrk="1" hangingPunct="1"/>
+            <a:r>
+              <a:rPr lang="es-ES" sz="1400" u="none" dirty="0" smtClean="0"/>
+              <a:t>Instituto </a:t>
+            </a:r>
+            <a:r>
+              <a:rPr lang="es-ES" sz="1400" u="none" dirty="0"/>
+              <a:t>de Investigación Sanitaria Gregorio Marañón (IiSGM), Madrid, Spain</a:t>
+            </a:r>
+          </a:p>
+          <a:p>
+            <a:pPr eaLnBrk="1" hangingPunct="1"/>
+            <a:endParaRPr lang="en-US" sz="1000" u="none" dirty="0"/>
           </a:p>
         </p:txBody>
       </p:sp>
     </p:spTree>
     <p:extLst>
       <p:ext uri="{BB962C8B-B14F-4D97-AF65-F5344CB8AC3E}">
-        <p14:creationId xmlns:p14="http://schemas.microsoft.com/office/powerpoint/2010/main" val="4124448916"/>
+        <p14:creationId xmlns:p14="http://schemas.microsoft.com/office/powerpoint/2010/main" val="2255732955"/>
       </p:ext>
     </p:extLst>
   </p:cSld>
@@ -3536,6 +3754,872 @@
 </file>
 
 <file path=ppt/slides/slide2.xml><?xml version="1.0" encoding="utf-8"?>
+<p:sld xmlns:a="http://schemas.openxmlformats.org/drawingml/2006/main" xmlns:r="http://schemas.openxmlformats.org/officeDocument/2006/relationships" xmlns:p="http://schemas.openxmlformats.org/presentationml/2006/main">
+  <p:cSld>
+    <p:spTree>
+      <p:nvGrpSpPr>
+        <p:cNvPr id="1" name=""/>
+        <p:cNvGrpSpPr/>
+        <p:nvPr/>
+      </p:nvGrpSpPr>
+      <p:grpSpPr>
+        <a:xfrm>
+          <a:off x="0" y="0"/>
+          <a:ext cx="0" cy="0"/>
+          <a:chOff x="0" y="0"/>
+          <a:chExt cx="0" cy="0"/>
+        </a:xfrm>
+      </p:grpSpPr>
+      <p:sp>
+        <p:nvSpPr>
+          <p:cNvPr id="3" name="2 Marcador de contenido"/>
+          <p:cNvSpPr>
+            <a:spLocks noGrp="1"/>
+          </p:cNvSpPr>
+          <p:nvPr>
+            <p:ph idx="1"/>
+          </p:nvPr>
+        </p:nvSpPr>
+        <p:spPr>
+          <a:xfrm>
+            <a:off x="467544" y="836712"/>
+            <a:ext cx="8229600" cy="4525963"/>
+          </a:xfrm>
+        </p:spPr>
+        <p:txBody>
+          <a:bodyPr>
+            <a:normAutofit/>
+          </a:bodyPr>
+          <a:lstStyle/>
+          <a:p>
+            <a:r>
+              <a:rPr lang="en-US" sz="2400" dirty="0"/>
+              <a:t>Following slice:</a:t>
+            </a:r>
+          </a:p>
+          <a:p>
+            <a:pPr lvl="1"/>
+            <a:r>
+              <a:rPr lang="en-US" sz="2400" dirty="0" smtClean="0"/>
+              <a:t>Fully sampled data vs. SIDER </a:t>
+            </a:r>
+            <a:r>
+              <a:rPr lang="en-US" sz="2400" dirty="0"/>
+              <a:t>for acceleration factor x7 </a:t>
+            </a:r>
+            <a:endParaRPr lang="en-US" sz="2400" dirty="0" smtClean="0"/>
+          </a:p>
+          <a:p>
+            <a:pPr lvl="1"/>
+            <a:r>
+              <a:rPr lang="en-US" sz="2400" dirty="0" smtClean="0"/>
+              <a:t>Videos </a:t>
+            </a:r>
+            <a:r>
+              <a:rPr lang="en-US" sz="2400" dirty="0"/>
+              <a:t>correspond to estimated maps of </a:t>
+            </a:r>
+            <a:r>
+              <a:rPr lang="en-US" sz="2400" dirty="0" smtClean="0"/>
+              <a:t>mean alveolar</a:t>
+            </a:r>
+            <a:r>
+              <a:rPr lang="en-US" sz="2400" dirty="0"/>
+              <a:t> length for fully sampled data (top) and for SIDER method for an acceleration factor of x7 (bottom) for three controls and three COPD </a:t>
+            </a:r>
+            <a:r>
+              <a:rPr lang="en-US" sz="2400" dirty="0" smtClean="0"/>
+              <a:t>patients.</a:t>
+            </a:r>
+            <a:endParaRPr lang="es-ES" sz="2400" dirty="0"/>
+          </a:p>
+        </p:txBody>
+      </p:sp>
+    </p:spTree>
+    <p:extLst>
+      <p:ext uri="{BB962C8B-B14F-4D97-AF65-F5344CB8AC3E}">
+        <p14:creationId xmlns:p14="http://schemas.microsoft.com/office/powerpoint/2010/main" val="1688056986"/>
+      </p:ext>
+    </p:extLst>
+  </p:cSld>
+  <p:clrMapOvr>
+    <a:masterClrMapping/>
+  </p:clrMapOvr>
+  <p:timing>
+    <p:tnLst>
+      <p:par>
+        <p:cTn id="1" dur="indefinite" restart="never" nodeType="tmRoot"/>
+      </p:par>
+    </p:tnLst>
+  </p:timing>
+</p:sld>
+</file>
+
+<file path=ppt/slides/slide3.xml><?xml version="1.0" encoding="utf-8"?>
+<p:sld xmlns:a="http://schemas.openxmlformats.org/drawingml/2006/main" xmlns:r="http://schemas.openxmlformats.org/officeDocument/2006/relationships" xmlns:p="http://schemas.openxmlformats.org/presentationml/2006/main">
+  <p:cSld>
+    <p:spTree>
+      <p:nvGrpSpPr>
+        <p:cNvPr id="1" name=""/>
+        <p:cNvGrpSpPr/>
+        <p:nvPr/>
+      </p:nvGrpSpPr>
+      <p:grpSpPr>
+        <a:xfrm>
+          <a:off x="0" y="0"/>
+          <a:ext cx="0" cy="0"/>
+          <a:chOff x="0" y="0"/>
+          <a:chExt cx="0" cy="0"/>
+        </a:xfrm>
+      </p:grpSpPr>
+      <p:pic>
+        <p:nvPicPr>
+          <p:cNvPr id="4102" name="Picture 6" descr="V:\Proyectos\CompressedSensing\gases\results\AllDataSets\StretchModel\datoscopd\datcopd_x1_1fps.gif"/>
+          <p:cNvPicPr>
+            <a:picLocks noChangeAspect="1" noChangeArrowheads="1" noCrop="1"/>
+          </p:cNvPicPr>
+          <p:nvPr/>
+        </p:nvPicPr>
+        <p:blipFill>
+          <a:blip r:embed="rId2">
+            <a:extLst>
+              <a:ext uri="{28A0092B-C50C-407E-A947-70E740481C1C}">
+                <a14:useLocalDpi xmlns:a14="http://schemas.microsoft.com/office/drawing/2010/main" val="0"/>
+              </a:ext>
+            </a:extLst>
+          </a:blip>
+          <a:srcRect/>
+          <a:stretch>
+            <a:fillRect/>
+          </a:stretch>
+        </p:blipFill>
+        <p:spPr bwMode="auto">
+          <a:xfrm rot="5400000">
+            <a:off x="4602915" y="474666"/>
+            <a:ext cx="1004987" cy="1004987"/>
+          </a:xfrm>
+          <a:prstGeom prst="rect">
+            <a:avLst/>
+          </a:prstGeom>
+          <a:noFill/>
+          <a:extLst>
+            <a:ext uri="{909E8E84-426E-40DD-AFC4-6F175D3DCCD1}">
+              <a14:hiddenFill xmlns:a14="http://schemas.microsoft.com/office/drawing/2010/main">
+                <a:solidFill>
+                  <a:srgbClr val="FFFFFF"/>
+                </a:solidFill>
+              </a14:hiddenFill>
+            </a:ext>
+          </a:extLst>
+        </p:spPr>
+      </p:pic>
+      <p:pic>
+        <p:nvPicPr>
+          <p:cNvPr id="4103" name="Picture 7" descr="V:\Proyectos\CompressedSensing\gases\results\AllDataSets\StretchModel\datoscopd\datcopd_x7__SIDER_all_z_1fps.gif"/>
+          <p:cNvPicPr>
+            <a:picLocks noChangeAspect="1" noChangeArrowheads="1" noCrop="1"/>
+          </p:cNvPicPr>
+          <p:nvPr/>
+        </p:nvPicPr>
+        <p:blipFill>
+          <a:blip r:embed="rId3">
+            <a:extLst>
+              <a:ext uri="{28A0092B-C50C-407E-A947-70E740481C1C}">
+                <a14:useLocalDpi xmlns:a14="http://schemas.microsoft.com/office/drawing/2010/main" val="0"/>
+              </a:ext>
+            </a:extLst>
+          </a:blip>
+          <a:srcRect/>
+          <a:stretch>
+            <a:fillRect/>
+          </a:stretch>
+        </p:blipFill>
+        <p:spPr bwMode="auto">
+          <a:xfrm rot="5400000">
+            <a:off x="4602915" y="1676528"/>
+            <a:ext cx="1009724" cy="1009724"/>
+          </a:xfrm>
+          <a:prstGeom prst="rect">
+            <a:avLst/>
+          </a:prstGeom>
+          <a:noFill/>
+          <a:extLst>
+            <a:ext uri="{909E8E84-426E-40DD-AFC4-6F175D3DCCD1}">
+              <a14:hiddenFill xmlns:a14="http://schemas.microsoft.com/office/drawing/2010/main">
+                <a:solidFill>
+                  <a:srgbClr val="FFFFFF"/>
+                </a:solidFill>
+              </a14:hiddenFill>
+            </a:ext>
+          </a:extLst>
+        </p:spPr>
+      </p:pic>
+      <p:sp>
+        <p:nvSpPr>
+          <p:cNvPr id="10" name="9 CuadroTexto"/>
+          <p:cNvSpPr txBox="1"/>
+          <p:nvPr/>
+        </p:nvSpPr>
+        <p:spPr>
+          <a:xfrm>
+            <a:off x="179511" y="1948995"/>
+            <a:ext cx="729053" cy="646331"/>
+          </a:xfrm>
+          <a:prstGeom prst="rect">
+            <a:avLst/>
+          </a:prstGeom>
+          <a:noFill/>
+        </p:spPr>
+        <p:txBody>
+          <a:bodyPr wrap="square" rtlCol="0">
+            <a:spAutoFit/>
+          </a:bodyPr>
+          <a:lstStyle/>
+          <a:p>
+            <a:pPr algn="ctr"/>
+            <a:r>
+              <a:rPr lang="es-ES" dirty="0" smtClean="0"/>
+              <a:t>SIDER x7</a:t>
+            </a:r>
+            <a:endParaRPr lang="es-ES" dirty="0"/>
+          </a:p>
+        </p:txBody>
+      </p:sp>
+      <p:sp>
+        <p:nvSpPr>
+          <p:cNvPr id="11" name="10 CuadroTexto"/>
+          <p:cNvSpPr txBox="1"/>
+          <p:nvPr/>
+        </p:nvSpPr>
+        <p:spPr>
+          <a:xfrm>
+            <a:off x="211187" y="790931"/>
+            <a:ext cx="729053" cy="369332"/>
+          </a:xfrm>
+          <a:prstGeom prst="rect">
+            <a:avLst/>
+          </a:prstGeom>
+          <a:noFill/>
+        </p:spPr>
+        <p:txBody>
+          <a:bodyPr wrap="square" rtlCol="0">
+            <a:spAutoFit/>
+          </a:bodyPr>
+          <a:lstStyle/>
+          <a:p>
+            <a:pPr algn="ctr"/>
+            <a:r>
+              <a:rPr lang="es-ES" dirty="0" smtClean="0"/>
+              <a:t>x1</a:t>
+            </a:r>
+            <a:endParaRPr lang="es-ES" dirty="0"/>
+          </a:p>
+        </p:txBody>
+      </p:sp>
+      <p:pic>
+        <p:nvPicPr>
+          <p:cNvPr id="4104" name="Picture 8" descr="V:\Proyectos\CompressedSensing\gases\results\AllDataSets\StretchModel\datosnormalmrm\dataPX_x1_1fps.gif"/>
+          <p:cNvPicPr>
+            <a:picLocks noChangeAspect="1" noChangeArrowheads="1" noCrop="1"/>
+          </p:cNvPicPr>
+          <p:nvPr/>
+        </p:nvPicPr>
+        <p:blipFill>
+          <a:blip r:embed="rId4">
+            <a:extLst>
+              <a:ext uri="{28A0092B-C50C-407E-A947-70E740481C1C}">
+                <a14:useLocalDpi xmlns:a14="http://schemas.microsoft.com/office/drawing/2010/main" val="0"/>
+              </a:ext>
+            </a:extLst>
+          </a:blip>
+          <a:srcRect/>
+          <a:stretch>
+            <a:fillRect/>
+          </a:stretch>
+        </p:blipFill>
+        <p:spPr bwMode="auto">
+          <a:xfrm rot="5400000">
+            <a:off x="934566" y="471541"/>
+            <a:ext cx="1008112" cy="1008112"/>
+          </a:xfrm>
+          <a:prstGeom prst="rect">
+            <a:avLst/>
+          </a:prstGeom>
+          <a:noFill/>
+          <a:extLst>
+            <a:ext uri="{909E8E84-426E-40DD-AFC4-6F175D3DCCD1}">
+              <a14:hiddenFill xmlns:a14="http://schemas.microsoft.com/office/drawing/2010/main">
+                <a:solidFill>
+                  <a:srgbClr val="FFFFFF"/>
+                </a:solidFill>
+              </a14:hiddenFill>
+            </a:ext>
+          </a:extLst>
+        </p:spPr>
+      </p:pic>
+      <p:pic>
+        <p:nvPicPr>
+          <p:cNvPr id="4105" name="Picture 9" descr="V:\Proyectos\CompressedSensing\gases\results\AllDataSets\StretchModel\datosnormalmrm\dataPX_x7__SIDER_all_z_1fps.gif"/>
+          <p:cNvPicPr>
+            <a:picLocks noChangeAspect="1" noChangeArrowheads="1" noCrop="1"/>
+          </p:cNvPicPr>
+          <p:nvPr/>
+        </p:nvPicPr>
+        <p:blipFill>
+          <a:blip r:embed="rId5">
+            <a:extLst>
+              <a:ext uri="{28A0092B-C50C-407E-A947-70E740481C1C}">
+                <a14:useLocalDpi xmlns:a14="http://schemas.microsoft.com/office/drawing/2010/main" val="0"/>
+              </a:ext>
+            </a:extLst>
+          </a:blip>
+          <a:srcRect/>
+          <a:stretch>
+            <a:fillRect/>
+          </a:stretch>
+        </p:blipFill>
+        <p:spPr bwMode="auto">
+          <a:xfrm rot="5400000">
+            <a:off x="934566" y="1673403"/>
+            <a:ext cx="1008112" cy="1008112"/>
+          </a:xfrm>
+          <a:prstGeom prst="rect">
+            <a:avLst/>
+          </a:prstGeom>
+          <a:noFill/>
+          <a:extLst>
+            <a:ext uri="{909E8E84-426E-40DD-AFC4-6F175D3DCCD1}">
+              <a14:hiddenFill xmlns:a14="http://schemas.microsoft.com/office/drawing/2010/main">
+                <a:solidFill>
+                  <a:srgbClr val="FFFFFF"/>
+                </a:solidFill>
+              </a14:hiddenFill>
+            </a:ext>
+          </a:extLst>
+        </p:spPr>
+      </p:pic>
+      <p:pic>
+        <p:nvPicPr>
+          <p:cNvPr id="4106" name="Picture 10" descr="V:\Proyectos\CompressedSensing\gases\results\AllDataSets\StretchModel\patientCOPD_R21pre\patCOPD_R21pre_x1_1fps.gif"/>
+          <p:cNvPicPr>
+            <a:picLocks noChangeAspect="1" noChangeArrowheads="1" noCrop="1"/>
+          </p:cNvPicPr>
+          <p:nvPr/>
+        </p:nvPicPr>
+        <p:blipFill>
+          <a:blip r:embed="rId6">
+            <a:extLst>
+              <a:ext uri="{28A0092B-C50C-407E-A947-70E740481C1C}">
+                <a14:useLocalDpi xmlns:a14="http://schemas.microsoft.com/office/drawing/2010/main" val="0"/>
+              </a:ext>
+            </a:extLst>
+          </a:blip>
+          <a:srcRect/>
+          <a:stretch>
+            <a:fillRect/>
+          </a:stretch>
+        </p:blipFill>
+        <p:spPr bwMode="auto">
+          <a:xfrm rot="5400000">
+            <a:off x="6894223" y="474666"/>
+            <a:ext cx="998786" cy="998786"/>
+          </a:xfrm>
+          <a:prstGeom prst="rect">
+            <a:avLst/>
+          </a:prstGeom>
+          <a:noFill/>
+          <a:extLst>
+            <a:ext uri="{909E8E84-426E-40DD-AFC4-6F175D3DCCD1}">
+              <a14:hiddenFill xmlns:a14="http://schemas.microsoft.com/office/drawing/2010/main">
+                <a:solidFill>
+                  <a:srgbClr val="FFFFFF"/>
+                </a:solidFill>
+              </a14:hiddenFill>
+            </a:ext>
+          </a:extLst>
+        </p:spPr>
+      </p:pic>
+      <p:pic>
+        <p:nvPicPr>
+          <p:cNvPr id="4107" name="Picture 11" descr="V:\Proyectos\CompressedSensing\gases\results\AllDataSets\StretchModel\patientCOPD_R21pre\patCOPD_R21pre_x7__SIDER_all_z_1fps.gif"/>
+          <p:cNvPicPr>
+            <a:picLocks noChangeAspect="1" noChangeArrowheads="1" noCrop="1"/>
+          </p:cNvPicPr>
+          <p:nvPr/>
+        </p:nvPicPr>
+        <p:blipFill>
+          <a:blip r:embed="rId7">
+            <a:extLst>
+              <a:ext uri="{28A0092B-C50C-407E-A947-70E740481C1C}">
+                <a14:useLocalDpi xmlns:a14="http://schemas.microsoft.com/office/drawing/2010/main" val="0"/>
+              </a:ext>
+            </a:extLst>
+          </a:blip>
+          <a:srcRect/>
+          <a:stretch>
+            <a:fillRect/>
+          </a:stretch>
+        </p:blipFill>
+        <p:spPr bwMode="auto">
+          <a:xfrm rot="5400000">
+            <a:off x="6894223" y="1658991"/>
+            <a:ext cx="1021060" cy="1021060"/>
+          </a:xfrm>
+          <a:prstGeom prst="rect">
+            <a:avLst/>
+          </a:prstGeom>
+          <a:noFill/>
+          <a:extLst>
+            <a:ext uri="{909E8E84-426E-40DD-AFC4-6F175D3DCCD1}">
+              <a14:hiddenFill xmlns:a14="http://schemas.microsoft.com/office/drawing/2010/main">
+                <a:solidFill>
+                  <a:srgbClr val="FFFFFF"/>
+                </a:solidFill>
+              </a14:hiddenFill>
+            </a:ext>
+          </a:extLst>
+        </p:spPr>
+      </p:pic>
+      <p:pic>
+        <p:nvPicPr>
+          <p:cNvPr id="4110" name="Picture 14" descr="V:\Proyectos\CompressedSensing\gases\results\AllDataSets\StretchModel\datosnormalmrm\dataGNa_x1_1fps.gif"/>
+          <p:cNvPicPr>
+            <a:picLocks noChangeAspect="1" noChangeArrowheads="1" noCrop="1"/>
+          </p:cNvPicPr>
+          <p:nvPr/>
+        </p:nvPicPr>
+        <p:blipFill>
+          <a:blip r:embed="rId8">
+            <a:extLst>
+              <a:ext uri="{28A0092B-C50C-407E-A947-70E740481C1C}">
+                <a14:useLocalDpi xmlns:a14="http://schemas.microsoft.com/office/drawing/2010/main" val="0"/>
+              </a:ext>
+            </a:extLst>
+          </a:blip>
+          <a:srcRect/>
+          <a:stretch>
+            <a:fillRect/>
+          </a:stretch>
+        </p:blipFill>
+        <p:spPr bwMode="auto">
+          <a:xfrm rot="5400000">
+            <a:off x="2082464" y="470030"/>
+            <a:ext cx="998825" cy="998825"/>
+          </a:xfrm>
+          <a:prstGeom prst="rect">
+            <a:avLst/>
+          </a:prstGeom>
+          <a:noFill/>
+          <a:extLst>
+            <a:ext uri="{909E8E84-426E-40DD-AFC4-6F175D3DCCD1}">
+              <a14:hiddenFill xmlns:a14="http://schemas.microsoft.com/office/drawing/2010/main">
+                <a:solidFill>
+                  <a:srgbClr val="FFFFFF"/>
+                </a:solidFill>
+              </a14:hiddenFill>
+            </a:ext>
+          </a:extLst>
+        </p:spPr>
+      </p:pic>
+      <p:pic>
+        <p:nvPicPr>
+          <p:cNvPr id="4111" name="Picture 15" descr="V:\Proyectos\CompressedSensing\gases\results\AllDataSets\StretchModel\datosnormalmrm\dataGNa_x7__SIDER_all_z_1fps.gif"/>
+          <p:cNvPicPr>
+            <a:picLocks noChangeAspect="1" noChangeArrowheads="1" noCrop="1"/>
+          </p:cNvPicPr>
+          <p:nvPr/>
+        </p:nvPicPr>
+        <p:blipFill>
+          <a:blip r:embed="rId9">
+            <a:extLst>
+              <a:ext uri="{28A0092B-C50C-407E-A947-70E740481C1C}">
+                <a14:useLocalDpi xmlns:a14="http://schemas.microsoft.com/office/drawing/2010/main" val="0"/>
+              </a:ext>
+            </a:extLst>
+          </a:blip>
+          <a:srcRect/>
+          <a:stretch>
+            <a:fillRect/>
+          </a:stretch>
+        </p:blipFill>
+        <p:spPr bwMode="auto">
+          <a:xfrm rot="5400000">
+            <a:off x="2094833" y="1686872"/>
+            <a:ext cx="974085" cy="974085"/>
+          </a:xfrm>
+          <a:prstGeom prst="rect">
+            <a:avLst/>
+          </a:prstGeom>
+          <a:noFill/>
+          <a:extLst>
+            <a:ext uri="{909E8E84-426E-40DD-AFC4-6F175D3DCCD1}">
+              <a14:hiddenFill xmlns:a14="http://schemas.microsoft.com/office/drawing/2010/main">
+                <a:solidFill>
+                  <a:srgbClr val="FFFFFF"/>
+                </a:solidFill>
+              </a14:hiddenFill>
+            </a:ext>
+          </a:extLst>
+        </p:spPr>
+      </p:pic>
+      <p:sp>
+        <p:nvSpPr>
+          <p:cNvPr id="21" name="20 CuadroTexto"/>
+          <p:cNvSpPr txBox="1"/>
+          <p:nvPr/>
+        </p:nvSpPr>
+        <p:spPr>
+          <a:xfrm>
+            <a:off x="5758235" y="75677"/>
+            <a:ext cx="1076190" cy="369332"/>
+          </a:xfrm>
+          <a:prstGeom prst="rect">
+            <a:avLst/>
+          </a:prstGeom>
+          <a:noFill/>
+        </p:spPr>
+        <p:txBody>
+          <a:bodyPr wrap="square" rtlCol="0">
+            <a:spAutoFit/>
+          </a:bodyPr>
+          <a:lstStyle/>
+          <a:p>
+            <a:pPr algn="ctr"/>
+            <a:r>
+              <a:rPr lang="es-ES" dirty="0" err="1" smtClean="0"/>
+              <a:t>Patients</a:t>
+            </a:r>
+            <a:endParaRPr lang="es-ES" dirty="0"/>
+          </a:p>
+        </p:txBody>
+      </p:sp>
+      <p:sp>
+        <p:nvSpPr>
+          <p:cNvPr id="22" name="21 CuadroTexto"/>
+          <p:cNvSpPr txBox="1"/>
+          <p:nvPr/>
+        </p:nvSpPr>
+        <p:spPr>
+          <a:xfrm>
+            <a:off x="2051720" y="75677"/>
+            <a:ext cx="1076190" cy="369332"/>
+          </a:xfrm>
+          <a:prstGeom prst="rect">
+            <a:avLst/>
+          </a:prstGeom>
+          <a:noFill/>
+        </p:spPr>
+        <p:txBody>
+          <a:bodyPr wrap="square" rtlCol="0">
+            <a:spAutoFit/>
+          </a:bodyPr>
+          <a:lstStyle/>
+          <a:p>
+            <a:pPr algn="ctr"/>
+            <a:r>
+              <a:rPr lang="es-ES" dirty="0" err="1" smtClean="0"/>
+              <a:t>Controls</a:t>
+            </a:r>
+            <a:endParaRPr lang="es-ES" dirty="0"/>
+          </a:p>
+        </p:txBody>
+      </p:sp>
+      <p:pic>
+        <p:nvPicPr>
+          <p:cNvPr id="4112" name="Picture 16" descr="V:\Proyectos\CompressedSensing\gases\results\AllDataSets\StretchModel\patientCOPD_R48pre\patCOPD_R48pre_1_x1_1fps.gif"/>
+          <p:cNvPicPr>
+            <a:picLocks noChangeAspect="1" noChangeArrowheads="1" noCrop="1"/>
+          </p:cNvPicPr>
+          <p:nvPr/>
+        </p:nvPicPr>
+        <p:blipFill>
+          <a:blip r:embed="rId10">
+            <a:extLst>
+              <a:ext uri="{28A0092B-C50C-407E-A947-70E740481C1C}">
+                <a14:useLocalDpi xmlns:a14="http://schemas.microsoft.com/office/drawing/2010/main" val="0"/>
+              </a:ext>
+            </a:extLst>
+          </a:blip>
+          <a:srcRect/>
+          <a:stretch>
+            <a:fillRect/>
+          </a:stretch>
+        </p:blipFill>
+        <p:spPr bwMode="auto">
+          <a:xfrm rot="5400000">
+            <a:off x="5758235" y="464853"/>
+            <a:ext cx="987620" cy="987620"/>
+          </a:xfrm>
+          <a:prstGeom prst="rect">
+            <a:avLst/>
+          </a:prstGeom>
+          <a:noFill/>
+          <a:extLst>
+            <a:ext uri="{909E8E84-426E-40DD-AFC4-6F175D3DCCD1}">
+              <a14:hiddenFill xmlns:a14="http://schemas.microsoft.com/office/drawing/2010/main">
+                <a:solidFill>
+                  <a:srgbClr val="FFFFFF"/>
+                </a:solidFill>
+              </a14:hiddenFill>
+            </a:ext>
+          </a:extLst>
+        </p:spPr>
+      </p:pic>
+      <p:pic>
+        <p:nvPicPr>
+          <p:cNvPr id="4113" name="Picture 17" descr="V:\Proyectos\CompressedSensing\gases\results\AllDataSets\StretchModel\patientCOPD_R48pre\patCOPD_R48pre_1_x7__SIDER_all_z_1fps.gif"/>
+          <p:cNvPicPr>
+            <a:picLocks noChangeAspect="1" noChangeArrowheads="1" noCrop="1"/>
+          </p:cNvPicPr>
+          <p:nvPr/>
+        </p:nvPicPr>
+        <p:blipFill>
+          <a:blip r:embed="rId11">
+            <a:extLst>
+              <a:ext uri="{28A0092B-C50C-407E-A947-70E740481C1C}">
+                <a14:useLocalDpi xmlns:a14="http://schemas.microsoft.com/office/drawing/2010/main" val="0"/>
+              </a:ext>
+            </a:extLst>
+          </a:blip>
+          <a:srcRect/>
+          <a:stretch>
+            <a:fillRect/>
+          </a:stretch>
+        </p:blipFill>
+        <p:spPr bwMode="auto">
+          <a:xfrm rot="5400000">
+            <a:off x="5758235" y="1672801"/>
+            <a:ext cx="992477" cy="992477"/>
+          </a:xfrm>
+          <a:prstGeom prst="rect">
+            <a:avLst/>
+          </a:prstGeom>
+          <a:noFill/>
+          <a:extLst>
+            <a:ext uri="{909E8E84-426E-40DD-AFC4-6F175D3DCCD1}">
+              <a14:hiddenFill xmlns:a14="http://schemas.microsoft.com/office/drawing/2010/main">
+                <a:solidFill>
+                  <a:srgbClr val="FFFFFF"/>
+                </a:solidFill>
+              </a14:hiddenFill>
+            </a:ext>
+          </a:extLst>
+        </p:spPr>
+      </p:pic>
+      <p:pic>
+        <p:nvPicPr>
+          <p:cNvPr id="4114" name="Picture 18" descr="V:\Proyectos\CompressedSensing\gases\results\AllDataSets\StretchModel\datosnormalmrm\dataJW_x1_1fps.gif"/>
+          <p:cNvPicPr>
+            <a:picLocks noChangeAspect="1" noChangeArrowheads="1" noCrop="1"/>
+          </p:cNvPicPr>
+          <p:nvPr/>
+        </p:nvPicPr>
+        <p:blipFill>
+          <a:blip r:embed="rId12">
+            <a:extLst>
+              <a:ext uri="{28A0092B-C50C-407E-A947-70E740481C1C}">
+                <a14:useLocalDpi xmlns:a14="http://schemas.microsoft.com/office/drawing/2010/main" val="0"/>
+              </a:ext>
+            </a:extLst>
+          </a:blip>
+          <a:srcRect/>
+          <a:stretch>
+            <a:fillRect/>
+          </a:stretch>
+        </p:blipFill>
+        <p:spPr bwMode="auto">
+          <a:xfrm rot="5400000">
+            <a:off x="3205356" y="476672"/>
+            <a:ext cx="1008112" cy="1008112"/>
+          </a:xfrm>
+          <a:prstGeom prst="rect">
+            <a:avLst/>
+          </a:prstGeom>
+          <a:noFill/>
+          <a:extLst>
+            <a:ext uri="{909E8E84-426E-40DD-AFC4-6F175D3DCCD1}">
+              <a14:hiddenFill xmlns:a14="http://schemas.microsoft.com/office/drawing/2010/main">
+                <a:solidFill>
+                  <a:srgbClr val="FFFFFF"/>
+                </a:solidFill>
+              </a14:hiddenFill>
+            </a:ext>
+          </a:extLst>
+        </p:spPr>
+      </p:pic>
+      <p:pic>
+        <p:nvPicPr>
+          <p:cNvPr id="4115" name="Picture 19" descr="V:\Proyectos\CompressedSensing\gases\results\AllDataSets\StretchModel\datosnormalmrm\dataJW_x7__SIDER_all_z_1fps.gif"/>
+          <p:cNvPicPr>
+            <a:picLocks noChangeAspect="1" noChangeArrowheads="1" noCrop="1"/>
+          </p:cNvPicPr>
+          <p:nvPr/>
+        </p:nvPicPr>
+        <p:blipFill>
+          <a:blip r:embed="rId13">
+            <a:extLst>
+              <a:ext uri="{28A0092B-C50C-407E-A947-70E740481C1C}">
+                <a14:useLocalDpi xmlns:a14="http://schemas.microsoft.com/office/drawing/2010/main" val="0"/>
+              </a:ext>
+            </a:extLst>
+          </a:blip>
+          <a:srcRect/>
+          <a:stretch>
+            <a:fillRect/>
+          </a:stretch>
+        </p:blipFill>
+        <p:spPr bwMode="auto">
+          <a:xfrm rot="5400000">
+            <a:off x="3203848" y="1650865"/>
+            <a:ext cx="1009620" cy="1009620"/>
+          </a:xfrm>
+          <a:prstGeom prst="rect">
+            <a:avLst/>
+          </a:prstGeom>
+          <a:noFill/>
+          <a:extLst>
+            <a:ext uri="{909E8E84-426E-40DD-AFC4-6F175D3DCCD1}">
+              <a14:hiddenFill xmlns:a14="http://schemas.microsoft.com/office/drawing/2010/main">
+                <a:solidFill>
+                  <a:srgbClr val="FFFFFF"/>
+                </a:solidFill>
+              </a14:hiddenFill>
+            </a:ext>
+          </a:extLst>
+        </p:spPr>
+      </p:pic>
+    </p:spTree>
+    <p:extLst>
+      <p:ext uri="{BB962C8B-B14F-4D97-AF65-F5344CB8AC3E}">
+        <p14:creationId xmlns:p14="http://schemas.microsoft.com/office/powerpoint/2010/main" val="858323094"/>
+      </p:ext>
+    </p:extLst>
+  </p:cSld>
+  <p:clrMapOvr>
+    <a:masterClrMapping/>
+  </p:clrMapOvr>
+  <p:timing>
+    <p:tnLst>
+      <p:par>
+        <p:cTn id="1" dur="indefinite" restart="never" nodeType="tmRoot"/>
+      </p:par>
+    </p:tnLst>
+  </p:timing>
+</p:sld>
+</file>
+
+<file path=ppt/slides/slide4.xml><?xml version="1.0" encoding="utf-8"?>
+<p:sld xmlns:a="http://schemas.openxmlformats.org/drawingml/2006/main" xmlns:r="http://schemas.openxmlformats.org/officeDocument/2006/relationships" xmlns:p="http://schemas.openxmlformats.org/presentationml/2006/main">
+  <p:cSld>
+    <p:bg>
+      <p:bgRef idx="1001">
+        <a:schemeClr val="bg1"/>
+      </p:bgRef>
+    </p:bg>
+    <p:spTree>
+      <p:nvGrpSpPr>
+        <p:cNvPr id="1" name=""/>
+        <p:cNvGrpSpPr/>
+        <p:nvPr/>
+      </p:nvGrpSpPr>
+      <p:grpSpPr>
+        <a:xfrm>
+          <a:off x="0" y="0"/>
+          <a:ext cx="0" cy="0"/>
+          <a:chOff x="0" y="0"/>
+          <a:chExt cx="0" cy="0"/>
+        </a:xfrm>
+      </p:grpSpPr>
+      <p:sp>
+        <p:nvSpPr>
+          <p:cNvPr id="3" name="2 Marcador de contenido"/>
+          <p:cNvSpPr>
+            <a:spLocks noGrp="1"/>
+          </p:cNvSpPr>
+          <p:nvPr>
+            <p:ph idx="1"/>
+          </p:nvPr>
+        </p:nvSpPr>
+        <p:spPr>
+          <a:xfrm>
+            <a:off x="395536" y="404664"/>
+            <a:ext cx="8229600" cy="4525963"/>
+          </a:xfrm>
+        </p:spPr>
+        <p:txBody>
+          <a:bodyPr>
+            <a:normAutofit/>
+          </a:bodyPr>
+          <a:lstStyle/>
+          <a:p>
+            <a:r>
+              <a:rPr lang="en-US" sz="2400" dirty="0" smtClean="0"/>
+              <a:t>Following slice:</a:t>
+            </a:r>
+          </a:p>
+          <a:p>
+            <a:pPr lvl="1"/>
+            <a:r>
+              <a:rPr lang="en-US" sz="2400" dirty="0" smtClean="0"/>
+              <a:t>SIDER </a:t>
+            </a:r>
+            <a:r>
+              <a:rPr lang="en-US" sz="2400" dirty="0"/>
+              <a:t>vs. zero-filling and TV for several acceleration factors (x1, x2, x5, </a:t>
+            </a:r>
+            <a:r>
+              <a:rPr lang="en-US" sz="2400" dirty="0" smtClean="0"/>
+              <a:t>x7). </a:t>
+            </a:r>
+            <a:endParaRPr lang="en-US" sz="2400" dirty="0"/>
+          </a:p>
+          <a:p>
+            <a:pPr lvl="1"/>
+            <a:r>
+              <a:rPr lang="en-US" sz="2400" dirty="0" smtClean="0"/>
+              <a:t>Videos </a:t>
+            </a:r>
+            <a:r>
+              <a:rPr lang="en-US" sz="2400" dirty="0"/>
+              <a:t>show one slice of mean </a:t>
+            </a:r>
+            <a:r>
+              <a:rPr lang="en-US" sz="2400" dirty="0" smtClean="0"/>
+              <a:t>alveolar </a:t>
+            </a:r>
+            <a:r>
+              <a:rPr lang="en-US" sz="2400" dirty="0"/>
+              <a:t>length estimated at different acceleration factors </a:t>
+            </a:r>
+            <a:r>
+              <a:rPr lang="en-US" sz="2400" dirty="0" smtClean="0"/>
+              <a:t>(increasing from x1 to x7) for three control and three COPD patient data sets.</a:t>
+            </a:r>
+            <a:endParaRPr lang="es-ES" sz="2400" dirty="0"/>
+          </a:p>
+        </p:txBody>
+      </p:sp>
+    </p:spTree>
+    <p:extLst>
+      <p:ext uri="{BB962C8B-B14F-4D97-AF65-F5344CB8AC3E}">
+        <p14:creationId xmlns:p14="http://schemas.microsoft.com/office/powerpoint/2010/main" val="4124448916"/>
+      </p:ext>
+    </p:extLst>
+  </p:cSld>
+  <p:clrMapOvr>
+    <a:overrideClrMapping bg1="lt1" tx1="dk1" bg2="lt2" tx2="dk2" accent1="accent1" accent2="accent2" accent3="accent3" accent4="accent4" accent5="accent5" accent6="accent6" hlink="hlink" folHlink="folHlink"/>
+  </p:clrMapOvr>
+  <p:timing>
+    <p:tnLst>
+      <p:par>
+        <p:cTn id="1" dur="indefinite" restart="never" nodeType="tmRoot"/>
+      </p:par>
+    </p:tnLst>
+  </p:timing>
+</p:sld>
+</file>
+
+<file path=ppt/slides/slide5.xml><?xml version="1.0" encoding="utf-8"?>
 <p:sld xmlns:a="http://schemas.openxmlformats.org/drawingml/2006/main" xmlns:r="http://schemas.openxmlformats.org/officeDocument/2006/relationships" xmlns:p="http://schemas.openxmlformats.org/presentationml/2006/main">
   <p:cSld>
     <p:spTree>
@@ -4380,6 +5464,186 @@
           </a:extLst>
         </p:spPr>
       </p:pic>
+      <p:sp>
+        <p:nvSpPr>
+          <p:cNvPr id="24" name="23 CuadroTexto"/>
+          <p:cNvSpPr txBox="1"/>
+          <p:nvPr/>
+        </p:nvSpPr>
+        <p:spPr>
+          <a:xfrm>
+            <a:off x="179511" y="620688"/>
+            <a:ext cx="1013957" cy="369332"/>
+          </a:xfrm>
+          <a:prstGeom prst="rect">
+            <a:avLst/>
+          </a:prstGeom>
+          <a:noFill/>
+        </p:spPr>
+        <p:txBody>
+          <a:bodyPr wrap="square" rtlCol="0">
+            <a:spAutoFit/>
+          </a:bodyPr>
+          <a:lstStyle/>
+          <a:p>
+            <a:r>
+              <a:rPr lang="es-ES" dirty="0" smtClean="0"/>
+              <a:t>Patient 1</a:t>
+            </a:r>
+            <a:endParaRPr lang="es-ES" dirty="0"/>
+          </a:p>
+        </p:txBody>
+      </p:sp>
+      <p:sp>
+        <p:nvSpPr>
+          <p:cNvPr id="25" name="24 CuadroTexto"/>
+          <p:cNvSpPr txBox="1"/>
+          <p:nvPr/>
+        </p:nvSpPr>
+        <p:spPr>
+          <a:xfrm>
+            <a:off x="179512" y="1619508"/>
+            <a:ext cx="1013957" cy="369332"/>
+          </a:xfrm>
+          <a:prstGeom prst="rect">
+            <a:avLst/>
+          </a:prstGeom>
+          <a:noFill/>
+        </p:spPr>
+        <p:txBody>
+          <a:bodyPr wrap="square" rtlCol="0">
+            <a:spAutoFit/>
+          </a:bodyPr>
+          <a:lstStyle/>
+          <a:p>
+            <a:r>
+              <a:rPr lang="es-ES" dirty="0" smtClean="0"/>
+              <a:t>Patient 2</a:t>
+            </a:r>
+            <a:endParaRPr lang="es-ES" dirty="0"/>
+          </a:p>
+        </p:txBody>
+      </p:sp>
+      <p:sp>
+        <p:nvSpPr>
+          <p:cNvPr id="26" name="25 CuadroTexto"/>
+          <p:cNvSpPr txBox="1"/>
+          <p:nvPr/>
+        </p:nvSpPr>
+        <p:spPr>
+          <a:xfrm>
+            <a:off x="179512" y="2699628"/>
+            <a:ext cx="1013957" cy="369332"/>
+          </a:xfrm>
+          <a:prstGeom prst="rect">
+            <a:avLst/>
+          </a:prstGeom>
+          <a:noFill/>
+        </p:spPr>
+        <p:txBody>
+          <a:bodyPr wrap="square" rtlCol="0">
+            <a:spAutoFit/>
+          </a:bodyPr>
+          <a:lstStyle/>
+          <a:p>
+            <a:r>
+              <a:rPr lang="es-ES" dirty="0" smtClean="0"/>
+              <a:t>Patient 3</a:t>
+            </a:r>
+            <a:endParaRPr lang="es-ES" dirty="0"/>
+          </a:p>
+        </p:txBody>
+      </p:sp>
+      <p:sp>
+        <p:nvSpPr>
+          <p:cNvPr id="27" name="26 CuadroTexto"/>
+          <p:cNvSpPr txBox="1"/>
+          <p:nvPr/>
+        </p:nvSpPr>
+        <p:spPr>
+          <a:xfrm>
+            <a:off x="173667" y="3707740"/>
+            <a:ext cx="1085965" cy="369332"/>
+          </a:xfrm>
+          <a:prstGeom prst="rect">
+            <a:avLst/>
+          </a:prstGeom>
+          <a:noFill/>
+        </p:spPr>
+        <p:txBody>
+          <a:bodyPr wrap="square" rtlCol="0">
+            <a:spAutoFit/>
+          </a:bodyPr>
+          <a:lstStyle/>
+          <a:p>
+            <a:r>
+              <a:rPr lang="es-ES" dirty="0" smtClean="0"/>
+              <a:t>Control 1</a:t>
+            </a:r>
+            <a:endParaRPr lang="es-ES" dirty="0"/>
+          </a:p>
+        </p:txBody>
+      </p:sp>
+      <p:sp>
+        <p:nvSpPr>
+          <p:cNvPr id="28" name="27 CuadroTexto"/>
+          <p:cNvSpPr txBox="1"/>
+          <p:nvPr/>
+        </p:nvSpPr>
+        <p:spPr>
+          <a:xfrm>
+            <a:off x="179512" y="4725144"/>
+            <a:ext cx="1085965" cy="369332"/>
+          </a:xfrm>
+          <a:prstGeom prst="rect">
+            <a:avLst/>
+          </a:prstGeom>
+          <a:noFill/>
+        </p:spPr>
+        <p:txBody>
+          <a:bodyPr wrap="square" rtlCol="0">
+            <a:spAutoFit/>
+          </a:bodyPr>
+          <a:lstStyle/>
+          <a:p>
+            <a:r>
+              <a:rPr lang="es-ES" dirty="0" smtClean="0"/>
+              <a:t>Control 2</a:t>
+            </a:r>
+            <a:endParaRPr lang="es-ES" dirty="0"/>
+          </a:p>
+        </p:txBody>
+      </p:sp>
+      <p:sp>
+        <p:nvSpPr>
+          <p:cNvPr id="29" name="28 CuadroTexto"/>
+          <p:cNvSpPr txBox="1"/>
+          <p:nvPr/>
+        </p:nvSpPr>
+        <p:spPr>
+          <a:xfrm>
+            <a:off x="173667" y="5805264"/>
+            <a:ext cx="1085965" cy="369332"/>
+          </a:xfrm>
+          <a:prstGeom prst="rect">
+            <a:avLst/>
+          </a:prstGeom>
+          <a:noFill/>
+        </p:spPr>
+        <p:txBody>
+          <a:bodyPr wrap="square" rtlCol="0">
+            <a:spAutoFit/>
+          </a:bodyPr>
+          <a:lstStyle/>
+          <a:p>
+            <a:r>
+              <a:rPr lang="es-ES" dirty="0" smtClean="0"/>
+              <a:t>Control 3</a:t>
+            </a:r>
+            <a:endParaRPr lang="es-ES" dirty="0"/>
+          </a:p>
+        </p:txBody>
+      </p:sp>
     </p:spTree>
     <p:extLst>
       <p:ext uri="{BB962C8B-B14F-4D97-AF65-F5344CB8AC3E}">
@@ -4966,4 +6230,47 @@
   <a:objectDefaults/>
   <a:extraClrSchemeLst/>
 </a:theme>
+</file>
+
+<file path=ppt/theme/themeOverride1.xml><?xml version="1.0" encoding="utf-8"?>
+<a:themeOverride xmlns:a="http://schemas.openxmlformats.org/drawingml/2006/main">
+  <a:clrScheme name="Oficina">
+    <a:dk1>
+      <a:sysClr val="windowText" lastClr="000000"/>
+    </a:dk1>
+    <a:lt1>
+      <a:sysClr val="window" lastClr="FFFFFF"/>
+    </a:lt1>
+    <a:dk2>
+      <a:srgbClr val="1F497D"/>
+    </a:dk2>
+    <a:lt2>
+      <a:srgbClr val="EEECE1"/>
+    </a:lt2>
+    <a:accent1>
+      <a:srgbClr val="4F81BD"/>
+    </a:accent1>
+    <a:accent2>
+      <a:srgbClr val="C0504D"/>
+    </a:accent2>
+    <a:accent3>
+      <a:srgbClr val="9BBB59"/>
+    </a:accent3>
+    <a:accent4>
+      <a:srgbClr val="8064A2"/>
+    </a:accent4>
+    <a:accent5>
+      <a:srgbClr val="4BACC6"/>
+    </a:accent5>
+    <a:accent6>
+      <a:srgbClr val="F79646"/>
+    </a:accent6>
+    <a:hlink>
+      <a:srgbClr val="0000FF"/>
+    </a:hlink>
+    <a:folHlink>
+      <a:srgbClr val="800080"/>
+    </a:folHlink>
+  </a:clrScheme>
+</a:themeOverride>
 </file>